--- a/Lecture 1/Notas de clase 01.pptx
+++ b/Lecture 1/Notas de clase 01.pptx
@@ -3701,7 +3701,7 @@
           <a:p>
             <a:fld id="{6B584887-BE72-42BF-B329-9BCE6EBD901C}" type="datetimeFigureOut">
               <a:rPr lang="es-PE" smtClean="0"/>
-              <a:t>3/06/2021</a:t>
+              <a:t>5/06/2021</a:t>
             </a:fld>
             <a:endParaRPr lang="es-PE"/>
           </a:p>
@@ -4464,7 +4464,7 @@
           <a:p>
             <a:fld id="{862CADF3-5944-47B7-A1FC-787C16FD077D}" type="datetime1">
               <a:rPr lang="es-PE" smtClean="0"/>
-              <a:t>3/06/2021</a:t>
+              <a:t>5/06/2021</a:t>
             </a:fld>
             <a:endParaRPr lang="es-PE"/>
           </a:p>
@@ -4667,7 +4667,7 @@
           <a:p>
             <a:fld id="{7AE04255-FC2A-4C8B-B190-6408832140DB}" type="datetime1">
               <a:rPr lang="es-PE" smtClean="0"/>
-              <a:t>3/06/2021</a:t>
+              <a:t>5/06/2021</a:t>
             </a:fld>
             <a:endParaRPr lang="es-PE"/>
           </a:p>
@@ -4880,7 +4880,7 @@
           <a:p>
             <a:fld id="{82D28D12-D07A-4E47-AD0D-F2AF419204D9}" type="datetime1">
               <a:rPr lang="es-PE" smtClean="0"/>
-              <a:t>3/06/2021</a:t>
+              <a:t>5/06/2021</a:t>
             </a:fld>
             <a:endParaRPr lang="es-PE"/>
           </a:p>
@@ -5025,7 +5025,7 @@
           <a:p>
             <a:fld id="{3D8593A5-55C4-42FC-8DCD-8FD7E11D53ED}" type="datetime1">
               <a:rPr lang="es-PE" smtClean="0"/>
-              <a:t>3/06/2021</a:t>
+              <a:t>5/06/2021</a:t>
             </a:fld>
             <a:endParaRPr lang="es-PE"/>
           </a:p>
@@ -5241,7 +5241,7 @@
           <a:p>
             <a:fld id="{B60350BF-4444-4321-B05F-3AD8C97A9AB9}" type="datetime1">
               <a:rPr lang="es-PE" smtClean="0"/>
-              <a:t>3/06/2021</a:t>
+              <a:t>5/06/2021</a:t>
             </a:fld>
             <a:endParaRPr lang="es-PE"/>
           </a:p>
@@ -5419,7 +5419,7 @@
           <a:p>
             <a:fld id="{211668C6-4F77-44CC-B52A-BB6468891FE4}" type="datetime1">
               <a:rPr lang="es-PE" smtClean="0"/>
-              <a:t>3/06/2021</a:t>
+              <a:t>5/06/2021</a:t>
             </a:fld>
             <a:endParaRPr lang="es-PE"/>
           </a:p>
@@ -5724,7 +5724,7 @@
           <a:p>
             <a:fld id="{FFB317FF-2EAA-4EE5-9F7A-E14F96A020E7}" type="datetime1">
               <a:rPr lang="es-PE" smtClean="0"/>
-              <a:t>3/06/2021</a:t>
+              <a:t>5/06/2021</a:t>
             </a:fld>
             <a:endParaRPr lang="es-PE"/>
           </a:p>
@@ -6142,7 +6142,7 @@
           <a:p>
             <a:fld id="{4679FB13-5414-41B4-9930-191A3682FB1D}" type="datetime1">
               <a:rPr lang="es-PE" smtClean="0"/>
-              <a:t>3/06/2021</a:t>
+              <a:t>5/06/2021</a:t>
             </a:fld>
             <a:endParaRPr lang="es-PE"/>
           </a:p>
@@ -6287,7 +6287,7 @@
           <a:p>
             <a:fld id="{E5EFB83F-F15E-4892-BB31-61CF55325EDA}" type="datetime1">
               <a:rPr lang="es-PE" smtClean="0"/>
-              <a:t>3/06/2021</a:t>
+              <a:t>5/06/2021</a:t>
             </a:fld>
             <a:endParaRPr lang="es-PE"/>
           </a:p>
@@ -6403,7 +6403,7 @@
           <a:p>
             <a:fld id="{98D9DFED-3DBE-4783-A16A-A0B0AEF34B32}" type="datetime1">
               <a:rPr lang="es-PE" smtClean="0"/>
-              <a:t>3/06/2021</a:t>
+              <a:t>5/06/2021</a:t>
             </a:fld>
             <a:endParaRPr lang="es-PE"/>
           </a:p>
@@ -6719,7 +6719,7 @@
           <a:p>
             <a:fld id="{BD613008-6DE8-4A23-AE9D-AF0C1755639B}" type="datetime1">
               <a:rPr lang="es-PE" smtClean="0"/>
-              <a:t>3/06/2021</a:t>
+              <a:t>5/06/2021</a:t>
             </a:fld>
             <a:endParaRPr lang="es-PE"/>
           </a:p>
@@ -7015,7 +7015,7 @@
           <a:p>
             <a:fld id="{1A88016B-062C-4972-A722-A54B9947A020}" type="datetime1">
               <a:rPr lang="es-PE" smtClean="0"/>
-              <a:t>3/06/2021</a:t>
+              <a:t>5/06/2021</a:t>
             </a:fld>
             <a:endParaRPr lang="es-PE"/>
           </a:p>
@@ -7264,7 +7264,7 @@
           <a:p>
             <a:fld id="{FBB2519D-2E4F-485A-A5E2-EC2A1460BB18}" type="datetime1">
               <a:rPr lang="es-PE" smtClean="0"/>
-              <a:t>3/06/2021</a:t>
+              <a:t>5/06/2021</a:t>
             </a:fld>
             <a:endParaRPr lang="es-PE"/>
           </a:p>
@@ -31164,7 +31164,7 @@
         </p:blipFill>
         <p:spPr>
           <a:xfrm>
-            <a:off x="838200" y="2455575"/>
+            <a:off x="838200" y="2101011"/>
             <a:ext cx="5181600" cy="3091437"/>
           </a:xfrm>
         </p:spPr>
@@ -31208,14 +31208,22 @@
             </a:r>
             <a:r>
               <a:rPr lang="es-PE" dirty="0"/>
-              <a:t> usado para la elaboración de los gráficos mostrados, serán subidos al </a:t>
+              <a:t> usado para la elaboración serán subidos a </a:t>
+            </a:r>
+            <a:r>
+              <a:rPr lang="es-PE" dirty="0" err="1"/>
+              <a:t>Github</a:t>
+            </a:r>
+            <a:r>
+              <a:rPr lang="es-PE" dirty="0"/>
+              <a:t> y compartidos por </a:t>
             </a:r>
             <a:r>
               <a:rPr lang="es-PE" dirty="0" err="1"/>
               <a:t>Classroom</a:t>
             </a:r>
             <a:r>
-              <a:rPr lang="es-PE" dirty="0"/>
+              <a:rPr lang="es-PE"/>
               <a:t>.</a:t>
             </a:r>
             <a:endParaRPr lang="es-PE" b="1" dirty="0"/>

--- a/Lecture 1/Notas de clase 01.pptx
+++ b/Lecture 1/Notas de clase 01.pptx
@@ -5,7 +5,7 @@
     <p:sldMasterId id="2147483648" r:id="rId1"/>
   </p:sldMasterIdLst>
   <p:notesMasterIdLst>
-    <p:notesMasterId r:id="rId26"/>
+    <p:notesMasterId r:id="rId27"/>
   </p:notesMasterIdLst>
   <p:sldIdLst>
     <p:sldId id="256" r:id="rId2"/>
@@ -28,10 +28,11 @@
     <p:sldId id="286" r:id="rId19"/>
     <p:sldId id="287" r:id="rId20"/>
     <p:sldId id="288" r:id="rId21"/>
-    <p:sldId id="294" r:id="rId22"/>
-    <p:sldId id="289" r:id="rId23"/>
-    <p:sldId id="282" r:id="rId24"/>
-    <p:sldId id="272" r:id="rId25"/>
+    <p:sldId id="295" r:id="rId22"/>
+    <p:sldId id="294" r:id="rId23"/>
+    <p:sldId id="289" r:id="rId24"/>
+    <p:sldId id="282" r:id="rId25"/>
+    <p:sldId id="272" r:id="rId26"/>
   </p:sldIdLst>
   <p:sldSz cx="12192000" cy="6858000"/>
   <p:notesSz cx="6858000" cy="9144000"/>
@@ -167,6 +168,7 @@
             <p14:sldId id="286"/>
             <p14:sldId id="287"/>
             <p14:sldId id="288"/>
+            <p14:sldId id="295"/>
             <p14:sldId id="294"/>
             <p14:sldId id="289"/>
           </p14:sldIdLst>
@@ -30744,6 +30746,157 @@
 <file path=ppt/slides/slide21.xml><?xml version="1.0" encoding="utf-8"?>
 <p:sld xmlns:a="http://schemas.openxmlformats.org/drawingml/2006/main" xmlns:r="http://schemas.openxmlformats.org/officeDocument/2006/relationships" xmlns:p="http://schemas.openxmlformats.org/presentationml/2006/main">
   <p:cSld>
+    <p:spTree>
+      <p:nvGrpSpPr>
+        <p:cNvPr id="1" name=""/>
+        <p:cNvGrpSpPr/>
+        <p:nvPr/>
+      </p:nvGrpSpPr>
+      <p:grpSpPr>
+        <a:xfrm>
+          <a:off x="0" y="0"/>
+          <a:ext cx="0" cy="0"/>
+          <a:chOff x="0" y="0"/>
+          <a:chExt cx="0" cy="0"/>
+        </a:xfrm>
+      </p:grpSpPr>
+      <p:pic>
+        <p:nvPicPr>
+          <p:cNvPr id="7" name="Marcador de contenido 6" descr="Gráfico, Gráfico de líneas&#10;&#10;Descripción generada automáticamente">
+            <a:extLst>
+              <a:ext uri="{FF2B5EF4-FFF2-40B4-BE49-F238E27FC236}">
+                <a16:creationId xmlns:a16="http://schemas.microsoft.com/office/drawing/2014/main" id="{42CAB721-A3D8-42E4-A951-FA7359CEA121}"/>
+              </a:ext>
+            </a:extLst>
+          </p:cNvPr>
+          <p:cNvPicPr>
+            <a:picLocks noGrp="1" noChangeAspect="1"/>
+          </p:cNvPicPr>
+          <p:nvPr>
+            <p:ph idx="1"/>
+          </p:nvPr>
+        </p:nvPicPr>
+        <p:blipFill>
+          <a:blip r:embed="rId2">
+            <a:extLst>
+              <a:ext uri="{28A0092B-C50C-407E-A947-70E740481C1C}">
+                <a14:useLocalDpi xmlns:a14="http://schemas.microsoft.com/office/drawing/2010/main" val="0"/>
+              </a:ext>
+            </a:extLst>
+          </a:blip>
+          <a:stretch>
+            <a:fillRect/>
+          </a:stretch>
+        </p:blipFill>
+        <p:spPr>
+          <a:xfrm>
+            <a:off x="2832496" y="1825625"/>
+            <a:ext cx="6527007" cy="4351338"/>
+          </a:xfrm>
+        </p:spPr>
+      </p:pic>
+      <p:sp>
+        <p:nvSpPr>
+          <p:cNvPr id="3" name="Marcador de pie de página 2">
+            <a:extLst>
+              <a:ext uri="{FF2B5EF4-FFF2-40B4-BE49-F238E27FC236}">
+                <a16:creationId xmlns:a16="http://schemas.microsoft.com/office/drawing/2014/main" id="{2DC34AB7-EC4B-4CB1-8B2F-41E5FBF6AD65}"/>
+              </a:ext>
+            </a:extLst>
+          </p:cNvPr>
+          <p:cNvSpPr>
+            <a:spLocks noGrp="1"/>
+          </p:cNvSpPr>
+          <p:nvPr>
+            <p:ph type="ftr" sz="quarter" idx="11"/>
+          </p:nvPr>
+        </p:nvSpPr>
+        <p:spPr/>
+        <p:txBody>
+          <a:bodyPr/>
+          <a:lstStyle/>
+          <a:p>
+            <a:r>
+              <a:rPr lang="es-PE"/>
+              <a:t>Ronny M. Condor</a:t>
+            </a:r>
+            <a:endParaRPr lang="es-PE" dirty="0"/>
+          </a:p>
+        </p:txBody>
+      </p:sp>
+      <p:sp>
+        <p:nvSpPr>
+          <p:cNvPr id="4" name="Marcador de número de diapositiva 3">
+            <a:extLst>
+              <a:ext uri="{FF2B5EF4-FFF2-40B4-BE49-F238E27FC236}">
+                <a16:creationId xmlns:a16="http://schemas.microsoft.com/office/drawing/2014/main" id="{AEC36A34-44F4-4CDD-9904-9494D7ED3F1F}"/>
+              </a:ext>
+            </a:extLst>
+          </p:cNvPr>
+          <p:cNvSpPr>
+            <a:spLocks noGrp="1"/>
+          </p:cNvSpPr>
+          <p:nvPr>
+            <p:ph type="sldNum" sz="quarter" idx="12"/>
+          </p:nvPr>
+        </p:nvSpPr>
+        <p:spPr/>
+        <p:txBody>
+          <a:bodyPr/>
+          <a:lstStyle/>
+          <a:p>
+            <a:fld id="{C9CAA9FC-5706-425E-BC41-84BEAD9EC8F9}" type="slidenum">
+              <a:rPr lang="es-PE" smtClean="0"/>
+              <a:t>21</a:t>
+            </a:fld>
+            <a:endParaRPr lang="es-PE"/>
+          </a:p>
+        </p:txBody>
+      </p:sp>
+      <p:sp>
+        <p:nvSpPr>
+          <p:cNvPr id="5" name="Título 4">
+            <a:extLst>
+              <a:ext uri="{FF2B5EF4-FFF2-40B4-BE49-F238E27FC236}">
+                <a16:creationId xmlns:a16="http://schemas.microsoft.com/office/drawing/2014/main" id="{03F77990-2634-48C0-8F17-CCB7DC21CA4C}"/>
+              </a:ext>
+            </a:extLst>
+          </p:cNvPr>
+          <p:cNvSpPr>
+            <a:spLocks noGrp="1"/>
+          </p:cNvSpPr>
+          <p:nvPr>
+            <p:ph type="title"/>
+          </p:nvPr>
+        </p:nvSpPr>
+        <p:spPr/>
+        <p:txBody>
+          <a:bodyPr/>
+          <a:lstStyle/>
+          <a:p>
+            <a:r>
+              <a:rPr lang="es-PE" dirty="0"/>
+              <a:t>Índice de Gini</a:t>
+            </a:r>
+          </a:p>
+        </p:txBody>
+      </p:sp>
+    </p:spTree>
+    <p:extLst>
+      <p:ext uri="{BB962C8B-B14F-4D97-AF65-F5344CB8AC3E}">
+        <p14:creationId xmlns:p14="http://schemas.microsoft.com/office/powerpoint/2010/main" val="1732186926"/>
+      </p:ext>
+    </p:extLst>
+  </p:cSld>
+  <p:clrMapOvr>
+    <a:masterClrMapping/>
+  </p:clrMapOvr>
+</p:sld>
+</file>
+
+<file path=ppt/slides/slide22.xml><?xml version="1.0" encoding="utf-8"?>
+<p:sld xmlns:a="http://schemas.openxmlformats.org/drawingml/2006/main" xmlns:r="http://schemas.openxmlformats.org/officeDocument/2006/relationships" xmlns:p="http://schemas.openxmlformats.org/presentationml/2006/main">
+  <p:cSld>
     <p:bg>
       <p:bgPr>
         <a:solidFill>
@@ -30863,35 +31016,6 @@
       </p:sp>
       <p:pic>
         <p:nvPicPr>
-          <p:cNvPr id="18" name="Imagen 17">
-            <a:extLst>
-              <a:ext uri="{FF2B5EF4-FFF2-40B4-BE49-F238E27FC236}">
-                <a16:creationId xmlns:a16="http://schemas.microsoft.com/office/drawing/2014/main" id="{69A7110B-F734-4EC2-8168-B35DC8A4C8B6}"/>
-              </a:ext>
-            </a:extLst>
-          </p:cNvPr>
-          <p:cNvPicPr>
-            <a:picLocks noChangeAspect="1"/>
-          </p:cNvPicPr>
-          <p:nvPr/>
-        </p:nvPicPr>
-        <p:blipFill rotWithShape="1">
-          <a:blip r:embed="rId2"/>
-          <a:srcRect l="3134" r="1610" b="4566"/>
-          <a:stretch/>
-        </p:blipFill>
-        <p:spPr>
-          <a:xfrm>
-            <a:off x="363895" y="2389481"/>
-            <a:ext cx="5551714" cy="3712739"/>
-          </a:xfrm>
-          <a:prstGeom prst="rect">
-            <a:avLst/>
-          </a:prstGeom>
-        </p:spPr>
-      </p:pic>
-      <p:pic>
-        <p:nvPicPr>
           <p:cNvPr id="20" name="Imagen 19">
             <a:extLst>
               <a:ext uri="{FF2B5EF4-FFF2-40B4-BE49-F238E27FC236}">
@@ -30905,15 +31029,15 @@
           <p:nvPr/>
         </p:nvPicPr>
         <p:blipFill>
-          <a:blip r:embed="rId3"/>
+          <a:blip r:embed="rId2"/>
           <a:stretch>
             <a:fillRect/>
           </a:stretch>
         </p:blipFill>
         <p:spPr>
           <a:xfrm>
-            <a:off x="5948205" y="2369574"/>
-            <a:ext cx="6258964" cy="3677140"/>
+            <a:off x="2355917" y="2211355"/>
+            <a:ext cx="6591800" cy="3872681"/>
           </a:xfrm>
           <a:prstGeom prst="rect">
             <a:avLst/>
@@ -31000,44 +31124,9 @@
                   <a:spcPts val="600"/>
                 </a:spcAft>
               </a:pPr>
-              <a:t>21</a:t>
+              <a:t>22</a:t>
             </a:fld>
             <a:endParaRPr lang="es-PE"/>
-          </a:p>
-        </p:txBody>
-      </p:sp>
-      <p:sp>
-        <p:nvSpPr>
-          <p:cNvPr id="21" name="CuadroTexto 20">
-            <a:extLst>
-              <a:ext uri="{FF2B5EF4-FFF2-40B4-BE49-F238E27FC236}">
-                <a16:creationId xmlns:a16="http://schemas.microsoft.com/office/drawing/2014/main" id="{B1FEF85C-2374-458D-BC61-519B4D0EF01C}"/>
-              </a:ext>
-            </a:extLst>
-          </p:cNvPr>
-          <p:cNvSpPr txBox="1"/>
-          <p:nvPr/>
-        </p:nvSpPr>
-        <p:spPr>
-          <a:xfrm>
-            <a:off x="419876" y="6120887"/>
-            <a:ext cx="3844212" cy="246221"/>
-          </a:xfrm>
-          <a:prstGeom prst="rect">
-            <a:avLst/>
-          </a:prstGeom>
-          <a:noFill/>
-        </p:spPr>
-        <p:txBody>
-          <a:bodyPr wrap="square" rtlCol="0">
-            <a:spAutoFit/>
-          </a:bodyPr>
-          <a:lstStyle/>
-          <a:p>
-            <a:r>
-              <a:rPr lang="es-PE" sz="1000" dirty="0"/>
-              <a:t>Fuente: Seminario y Zegarra (2018)</a:t>
-            </a:r>
           </a:p>
         </p:txBody>
       </p:sp>
@@ -31089,7 +31178,7 @@
 </p:sld>
 </file>
 
-<file path=ppt/slides/slide22.xml><?xml version="1.0" encoding="utf-8"?>
+<file path=ppt/slides/slide23.xml><?xml version="1.0" encoding="utf-8"?>
 <p:sld xmlns:a="http://schemas.openxmlformats.org/drawingml/2006/main" xmlns:r="http://schemas.openxmlformats.org/officeDocument/2006/relationships" xmlns:p="http://schemas.openxmlformats.org/presentationml/2006/main">
   <p:cSld>
     <p:spTree>
@@ -31211,7 +31300,18 @@
               <a:t> usado para la elaboración serán subidos a </a:t>
             </a:r>
             <a:r>
-              <a:rPr lang="es-PE" dirty="0" err="1"/>
+              <a:rPr lang="es-PE" dirty="0">
+                <a:solidFill>
+                  <a:schemeClr val="accent1"/>
+                </a:solidFill>
+                <a:hlinkClick r:id="rId3">
+                  <a:extLst>
+                    <a:ext uri="{A12FA001-AC4F-418D-AE19-62706E023703}">
+                      <ahyp:hlinkClr xmlns:ahyp="http://schemas.microsoft.com/office/drawing/2018/hyperlinkcolor" val="tx"/>
+                    </a:ext>
+                  </a:extLst>
+                </a:hlinkClick>
+              </a:rPr>
               <a:t>Github</a:t>
             </a:r>
             <a:r>
@@ -31223,7 +31323,7 @@
               <a:t>Classroom</a:t>
             </a:r>
             <a:r>
-              <a:rPr lang="es-PE"/>
+              <a:rPr lang="es-PE" dirty="0"/>
               <a:t>.</a:t>
             </a:r>
             <a:endParaRPr lang="es-PE" b="1" dirty="0"/>
@@ -31282,7 +31382,7 @@
           <a:p>
             <a:fld id="{C9CAA9FC-5706-425E-BC41-84BEAD9EC8F9}" type="slidenum">
               <a:rPr lang="es-PE" smtClean="0"/>
-              <a:t>22</a:t>
+              <a:t>23</a:t>
             </a:fld>
             <a:endParaRPr lang="es-PE"/>
           </a:p>
@@ -31301,7 +31401,7 @@
 </p:sld>
 </file>
 
-<file path=ppt/slides/slide23.xml><?xml version="1.0" encoding="utf-8"?>
+<file path=ppt/slides/slide24.xml><?xml version="1.0" encoding="utf-8"?>
 <p:sld xmlns:a="http://schemas.openxmlformats.org/drawingml/2006/main" xmlns:r="http://schemas.openxmlformats.org/officeDocument/2006/relationships" xmlns:p="http://schemas.openxmlformats.org/presentationml/2006/main">
   <p:cSld>
     <p:spTree>
@@ -31339,7 +31439,19 @@
           <a:bodyPr/>
           <a:lstStyle/>
           <a:p>
-            <a:endParaRPr lang="es-PE"/>
+            <a:r>
+              <a:rPr lang="es-PE" dirty="0"/>
+              <a:t>Las encuestas de hogares brindan información necesaria para generar evidencia que guíe la toma de decisiones.</a:t>
+            </a:r>
+          </a:p>
+          <a:p>
+            <a:r>
+              <a:rPr lang="es-PE" dirty="0"/>
+              <a:t>El uso de las encuestas de hogares están orientadas principalmente para conocer el nivel de pobreza, estándares de vida, ciudadanía, democracia, etc. Sin embargo, tienen limitaciones relevantes que se deben considerar para el análisis distributivo.</a:t>
+            </a:r>
+          </a:p>
+          <a:p>
+            <a:endParaRPr lang="es-PE" dirty="0"/>
           </a:p>
         </p:txBody>
       </p:sp>
@@ -31394,7 +31506,7 @@
           <a:p>
             <a:fld id="{C9CAA9FC-5706-425E-BC41-84BEAD9EC8F9}" type="slidenum">
               <a:rPr lang="es-PE" smtClean="0"/>
-              <a:t>23</a:t>
+              <a:t>24</a:t>
             </a:fld>
             <a:endParaRPr lang="es-PE" dirty="0"/>
           </a:p>
@@ -31441,7 +31553,7 @@
 </p:sld>
 </file>
 
-<file path=ppt/slides/slide24.xml><?xml version="1.0" encoding="utf-8"?>
+<file path=ppt/slides/slide25.xml><?xml version="1.0" encoding="utf-8"?>
 <p:sld xmlns:a="http://schemas.openxmlformats.org/drawingml/2006/main" xmlns:r="http://schemas.openxmlformats.org/officeDocument/2006/relationships" xmlns:p="http://schemas.openxmlformats.org/presentationml/2006/main">
   <p:cSld>
     <p:bg>
@@ -31673,7 +31785,7 @@
           <a:p>
             <a:fld id="{C9CAA9FC-5706-425E-BC41-84BEAD9EC8F9}" type="slidenum">
               <a:rPr lang="es-PE" smtClean="0"/>
-              <a:t>24</a:t>
+              <a:t>25</a:t>
             </a:fld>
             <a:endParaRPr lang="es-PE" dirty="0"/>
           </a:p>

--- a/Lecture 1/Notas de clase 01.pptx
+++ b/Lecture 1/Notas de clase 01.pptx
@@ -3703,7 +3703,7 @@
           <a:p>
             <a:fld id="{6B584887-BE72-42BF-B329-9BCE6EBD901C}" type="datetimeFigureOut">
               <a:rPr lang="es-PE" smtClean="0"/>
-              <a:t>5/06/2021</a:t>
+              <a:t>6/06/2021</a:t>
             </a:fld>
             <a:endParaRPr lang="es-PE"/>
           </a:p>
@@ -4466,7 +4466,7 @@
           <a:p>
             <a:fld id="{862CADF3-5944-47B7-A1FC-787C16FD077D}" type="datetime1">
               <a:rPr lang="es-PE" smtClean="0"/>
-              <a:t>5/06/2021</a:t>
+              <a:t>6/06/2021</a:t>
             </a:fld>
             <a:endParaRPr lang="es-PE"/>
           </a:p>
@@ -4669,7 +4669,7 @@
           <a:p>
             <a:fld id="{7AE04255-FC2A-4C8B-B190-6408832140DB}" type="datetime1">
               <a:rPr lang="es-PE" smtClean="0"/>
-              <a:t>5/06/2021</a:t>
+              <a:t>6/06/2021</a:t>
             </a:fld>
             <a:endParaRPr lang="es-PE"/>
           </a:p>
@@ -4882,7 +4882,7 @@
           <a:p>
             <a:fld id="{82D28D12-D07A-4E47-AD0D-F2AF419204D9}" type="datetime1">
               <a:rPr lang="es-PE" smtClean="0"/>
-              <a:t>5/06/2021</a:t>
+              <a:t>6/06/2021</a:t>
             </a:fld>
             <a:endParaRPr lang="es-PE"/>
           </a:p>
@@ -5027,7 +5027,7 @@
           <a:p>
             <a:fld id="{3D8593A5-55C4-42FC-8DCD-8FD7E11D53ED}" type="datetime1">
               <a:rPr lang="es-PE" smtClean="0"/>
-              <a:t>5/06/2021</a:t>
+              <a:t>6/06/2021</a:t>
             </a:fld>
             <a:endParaRPr lang="es-PE"/>
           </a:p>
@@ -5243,7 +5243,7 @@
           <a:p>
             <a:fld id="{B60350BF-4444-4321-B05F-3AD8C97A9AB9}" type="datetime1">
               <a:rPr lang="es-PE" smtClean="0"/>
-              <a:t>5/06/2021</a:t>
+              <a:t>6/06/2021</a:t>
             </a:fld>
             <a:endParaRPr lang="es-PE"/>
           </a:p>
@@ -5421,7 +5421,7 @@
           <a:p>
             <a:fld id="{211668C6-4F77-44CC-B52A-BB6468891FE4}" type="datetime1">
               <a:rPr lang="es-PE" smtClean="0"/>
-              <a:t>5/06/2021</a:t>
+              <a:t>6/06/2021</a:t>
             </a:fld>
             <a:endParaRPr lang="es-PE"/>
           </a:p>
@@ -5726,7 +5726,7 @@
           <a:p>
             <a:fld id="{FFB317FF-2EAA-4EE5-9F7A-E14F96A020E7}" type="datetime1">
               <a:rPr lang="es-PE" smtClean="0"/>
-              <a:t>5/06/2021</a:t>
+              <a:t>6/06/2021</a:t>
             </a:fld>
             <a:endParaRPr lang="es-PE"/>
           </a:p>
@@ -6144,7 +6144,7 @@
           <a:p>
             <a:fld id="{4679FB13-5414-41B4-9930-191A3682FB1D}" type="datetime1">
               <a:rPr lang="es-PE" smtClean="0"/>
-              <a:t>5/06/2021</a:t>
+              <a:t>6/06/2021</a:t>
             </a:fld>
             <a:endParaRPr lang="es-PE"/>
           </a:p>
@@ -6289,7 +6289,7 @@
           <a:p>
             <a:fld id="{E5EFB83F-F15E-4892-BB31-61CF55325EDA}" type="datetime1">
               <a:rPr lang="es-PE" smtClean="0"/>
-              <a:t>5/06/2021</a:t>
+              <a:t>6/06/2021</a:t>
             </a:fld>
             <a:endParaRPr lang="es-PE"/>
           </a:p>
@@ -6405,7 +6405,7 @@
           <a:p>
             <a:fld id="{98D9DFED-3DBE-4783-A16A-A0B0AEF34B32}" type="datetime1">
               <a:rPr lang="es-PE" smtClean="0"/>
-              <a:t>5/06/2021</a:t>
+              <a:t>6/06/2021</a:t>
             </a:fld>
             <a:endParaRPr lang="es-PE"/>
           </a:p>
@@ -6721,7 +6721,7 @@
           <a:p>
             <a:fld id="{BD613008-6DE8-4A23-AE9D-AF0C1755639B}" type="datetime1">
               <a:rPr lang="es-PE" smtClean="0"/>
-              <a:t>5/06/2021</a:t>
+              <a:t>6/06/2021</a:t>
             </a:fld>
             <a:endParaRPr lang="es-PE"/>
           </a:p>
@@ -7017,7 +7017,7 @@
           <a:p>
             <a:fld id="{1A88016B-062C-4972-A722-A54B9947A020}" type="datetime1">
               <a:rPr lang="es-PE" smtClean="0"/>
-              <a:t>5/06/2021</a:t>
+              <a:t>6/06/2021</a:t>
             </a:fld>
             <a:endParaRPr lang="es-PE"/>
           </a:p>
@@ -7266,7 +7266,7 @@
           <a:p>
             <a:fld id="{FBB2519D-2E4F-485A-A5E2-EC2A1460BB18}" type="datetime1">
               <a:rPr lang="es-PE" smtClean="0"/>
-              <a:t>5/06/2021</a:t>
+              <a:t>6/06/2021</a:t>
             </a:fld>
             <a:endParaRPr lang="es-PE"/>
           </a:p>
@@ -31253,8 +31253,8 @@
         </p:blipFill>
         <p:spPr>
           <a:xfrm>
-            <a:off x="838200" y="2101011"/>
-            <a:ext cx="5181600" cy="3091437"/>
+            <a:off x="492964" y="1998375"/>
+            <a:ext cx="5361514" cy="3198777"/>
           </a:xfrm>
         </p:spPr>
       </p:pic>

--- a/Lecture 1/Notas de clase 01.pptx
+++ b/Lecture 1/Notas de clase 01.pptx
@@ -5,7 +5,7 @@
     <p:sldMasterId id="2147483648" r:id="rId1"/>
   </p:sldMasterIdLst>
   <p:notesMasterIdLst>
-    <p:notesMasterId r:id="rId27"/>
+    <p:notesMasterId r:id="rId29"/>
   </p:notesMasterIdLst>
   <p:sldIdLst>
     <p:sldId id="256" r:id="rId2"/>
@@ -30,9 +30,11 @@
     <p:sldId id="288" r:id="rId21"/>
     <p:sldId id="295" r:id="rId22"/>
     <p:sldId id="294" r:id="rId23"/>
-    <p:sldId id="289" r:id="rId24"/>
-    <p:sldId id="282" r:id="rId25"/>
-    <p:sldId id="272" r:id="rId26"/>
+    <p:sldId id="296" r:id="rId24"/>
+    <p:sldId id="297" r:id="rId25"/>
+    <p:sldId id="289" r:id="rId26"/>
+    <p:sldId id="282" r:id="rId27"/>
+    <p:sldId id="272" r:id="rId28"/>
   </p:sldIdLst>
   <p:sldSz cx="12192000" cy="6858000"/>
   <p:notesSz cx="6858000" cy="9144000"/>
@@ -170,6 +172,8 @@
             <p14:sldId id="288"/>
             <p14:sldId id="295"/>
             <p14:sldId id="294"/>
+            <p14:sldId id="296"/>
+            <p14:sldId id="297"/>
             <p14:sldId id="289"/>
           </p14:sldIdLst>
         </p14:section>
@@ -3703,7 +3707,7 @@
           <a:p>
             <a:fld id="{6B584887-BE72-42BF-B329-9BCE6EBD901C}" type="datetimeFigureOut">
               <a:rPr lang="es-PE" smtClean="0"/>
-              <a:t>6/06/2021</a:t>
+              <a:t>7/06/2021</a:t>
             </a:fld>
             <a:endParaRPr lang="es-PE"/>
           </a:p>
@@ -4466,7 +4470,7 @@
           <a:p>
             <a:fld id="{862CADF3-5944-47B7-A1FC-787C16FD077D}" type="datetime1">
               <a:rPr lang="es-PE" smtClean="0"/>
-              <a:t>6/06/2021</a:t>
+              <a:t>7/06/2021</a:t>
             </a:fld>
             <a:endParaRPr lang="es-PE"/>
           </a:p>
@@ -4669,7 +4673,7 @@
           <a:p>
             <a:fld id="{7AE04255-FC2A-4C8B-B190-6408832140DB}" type="datetime1">
               <a:rPr lang="es-PE" smtClean="0"/>
-              <a:t>6/06/2021</a:t>
+              <a:t>7/06/2021</a:t>
             </a:fld>
             <a:endParaRPr lang="es-PE"/>
           </a:p>
@@ -4882,7 +4886,7 @@
           <a:p>
             <a:fld id="{82D28D12-D07A-4E47-AD0D-F2AF419204D9}" type="datetime1">
               <a:rPr lang="es-PE" smtClean="0"/>
-              <a:t>6/06/2021</a:t>
+              <a:t>7/06/2021</a:t>
             </a:fld>
             <a:endParaRPr lang="es-PE"/>
           </a:p>
@@ -5027,7 +5031,7 @@
           <a:p>
             <a:fld id="{3D8593A5-55C4-42FC-8DCD-8FD7E11D53ED}" type="datetime1">
               <a:rPr lang="es-PE" smtClean="0"/>
-              <a:t>6/06/2021</a:t>
+              <a:t>7/06/2021</a:t>
             </a:fld>
             <a:endParaRPr lang="es-PE"/>
           </a:p>
@@ -5243,7 +5247,7 @@
           <a:p>
             <a:fld id="{B60350BF-4444-4321-B05F-3AD8C97A9AB9}" type="datetime1">
               <a:rPr lang="es-PE" smtClean="0"/>
-              <a:t>6/06/2021</a:t>
+              <a:t>7/06/2021</a:t>
             </a:fld>
             <a:endParaRPr lang="es-PE"/>
           </a:p>
@@ -5421,7 +5425,7 @@
           <a:p>
             <a:fld id="{211668C6-4F77-44CC-B52A-BB6468891FE4}" type="datetime1">
               <a:rPr lang="es-PE" smtClean="0"/>
-              <a:t>6/06/2021</a:t>
+              <a:t>7/06/2021</a:t>
             </a:fld>
             <a:endParaRPr lang="es-PE"/>
           </a:p>
@@ -5726,7 +5730,7 @@
           <a:p>
             <a:fld id="{FFB317FF-2EAA-4EE5-9F7A-E14F96A020E7}" type="datetime1">
               <a:rPr lang="es-PE" smtClean="0"/>
-              <a:t>6/06/2021</a:t>
+              <a:t>7/06/2021</a:t>
             </a:fld>
             <a:endParaRPr lang="es-PE"/>
           </a:p>
@@ -6144,7 +6148,7 @@
           <a:p>
             <a:fld id="{4679FB13-5414-41B4-9930-191A3682FB1D}" type="datetime1">
               <a:rPr lang="es-PE" smtClean="0"/>
-              <a:t>6/06/2021</a:t>
+              <a:t>7/06/2021</a:t>
             </a:fld>
             <a:endParaRPr lang="es-PE"/>
           </a:p>
@@ -6289,7 +6293,7 @@
           <a:p>
             <a:fld id="{E5EFB83F-F15E-4892-BB31-61CF55325EDA}" type="datetime1">
               <a:rPr lang="es-PE" smtClean="0"/>
-              <a:t>6/06/2021</a:t>
+              <a:t>7/06/2021</a:t>
             </a:fld>
             <a:endParaRPr lang="es-PE"/>
           </a:p>
@@ -6405,7 +6409,7 @@
           <a:p>
             <a:fld id="{98D9DFED-3DBE-4783-A16A-A0B0AEF34B32}" type="datetime1">
               <a:rPr lang="es-PE" smtClean="0"/>
-              <a:t>6/06/2021</a:t>
+              <a:t>7/06/2021</a:t>
             </a:fld>
             <a:endParaRPr lang="es-PE"/>
           </a:p>
@@ -6721,7 +6725,7 @@
           <a:p>
             <a:fld id="{BD613008-6DE8-4A23-AE9D-AF0C1755639B}" type="datetime1">
               <a:rPr lang="es-PE" smtClean="0"/>
-              <a:t>6/06/2021</a:t>
+              <a:t>7/06/2021</a:t>
             </a:fld>
             <a:endParaRPr lang="es-PE"/>
           </a:p>
@@ -7017,7 +7021,7 @@
           <a:p>
             <a:fld id="{1A88016B-062C-4972-A722-A54B9947A020}" type="datetime1">
               <a:rPr lang="es-PE" smtClean="0"/>
-              <a:t>6/06/2021</a:t>
+              <a:t>7/06/2021</a:t>
             </a:fld>
             <a:endParaRPr lang="es-PE"/>
           </a:p>
@@ -7266,7 +7270,7 @@
           <a:p>
             <a:fld id="{FBB2519D-2E4F-485A-A5E2-EC2A1460BB18}" type="datetime1">
               <a:rPr lang="es-PE" smtClean="0"/>
-              <a:t>6/06/2021</a:t>
+              <a:t>7/06/2021</a:t>
             </a:fld>
             <a:endParaRPr lang="es-PE"/>
           </a:p>
@@ -31195,6 +31199,308 @@
           <a:chExt cx="0" cy="0"/>
         </a:xfrm>
       </p:grpSpPr>
+      <p:pic>
+        <p:nvPicPr>
+          <p:cNvPr id="7" name="Marcador de contenido 6" descr="Gráfico, Gráfico de líneas&#10;&#10;Descripción generada automáticamente">
+            <a:extLst>
+              <a:ext uri="{FF2B5EF4-FFF2-40B4-BE49-F238E27FC236}">
+                <a16:creationId xmlns:a16="http://schemas.microsoft.com/office/drawing/2014/main" id="{D125E9C0-E6DD-4911-897F-A1FD79960BC4}"/>
+              </a:ext>
+            </a:extLst>
+          </p:cNvPr>
+          <p:cNvPicPr>
+            <a:picLocks noGrp="1" noChangeAspect="1"/>
+          </p:cNvPicPr>
+          <p:nvPr>
+            <p:ph idx="1"/>
+          </p:nvPr>
+        </p:nvPicPr>
+        <p:blipFill>
+          <a:blip r:embed="rId2">
+            <a:extLst>
+              <a:ext uri="{28A0092B-C50C-407E-A947-70E740481C1C}">
+                <a14:useLocalDpi xmlns:a14="http://schemas.microsoft.com/office/drawing/2010/main" val="0"/>
+              </a:ext>
+            </a:extLst>
+          </a:blip>
+          <a:stretch>
+            <a:fillRect/>
+          </a:stretch>
+        </p:blipFill>
+        <p:spPr>
+          <a:xfrm>
+            <a:off x="2832496" y="1825625"/>
+            <a:ext cx="6527007" cy="4351338"/>
+          </a:xfrm>
+        </p:spPr>
+      </p:pic>
+      <p:sp>
+        <p:nvSpPr>
+          <p:cNvPr id="3" name="Marcador de pie de página 2">
+            <a:extLst>
+              <a:ext uri="{FF2B5EF4-FFF2-40B4-BE49-F238E27FC236}">
+                <a16:creationId xmlns:a16="http://schemas.microsoft.com/office/drawing/2014/main" id="{94E94D97-BF54-4AB9-A60B-BFB83ECA94C2}"/>
+              </a:ext>
+            </a:extLst>
+          </p:cNvPr>
+          <p:cNvSpPr>
+            <a:spLocks noGrp="1"/>
+          </p:cNvSpPr>
+          <p:nvPr>
+            <p:ph type="ftr" sz="quarter" idx="11"/>
+          </p:nvPr>
+        </p:nvSpPr>
+        <p:spPr/>
+        <p:txBody>
+          <a:bodyPr/>
+          <a:lstStyle/>
+          <a:p>
+            <a:r>
+              <a:rPr lang="es-PE"/>
+              <a:t>Ronny M. Condor</a:t>
+            </a:r>
+            <a:endParaRPr lang="es-PE" dirty="0"/>
+          </a:p>
+        </p:txBody>
+      </p:sp>
+      <p:sp>
+        <p:nvSpPr>
+          <p:cNvPr id="4" name="Marcador de número de diapositiva 3">
+            <a:extLst>
+              <a:ext uri="{FF2B5EF4-FFF2-40B4-BE49-F238E27FC236}">
+                <a16:creationId xmlns:a16="http://schemas.microsoft.com/office/drawing/2014/main" id="{7E91B0EA-E381-4E9D-92FF-3B89DB50F236}"/>
+              </a:ext>
+            </a:extLst>
+          </p:cNvPr>
+          <p:cNvSpPr>
+            <a:spLocks noGrp="1"/>
+          </p:cNvSpPr>
+          <p:nvPr>
+            <p:ph type="sldNum" sz="quarter" idx="12"/>
+          </p:nvPr>
+        </p:nvSpPr>
+        <p:spPr/>
+        <p:txBody>
+          <a:bodyPr/>
+          <a:lstStyle/>
+          <a:p>
+            <a:fld id="{C9CAA9FC-5706-425E-BC41-84BEAD9EC8F9}" type="slidenum">
+              <a:rPr lang="es-PE" smtClean="0"/>
+              <a:t>23</a:t>
+            </a:fld>
+            <a:endParaRPr lang="es-PE"/>
+          </a:p>
+        </p:txBody>
+      </p:sp>
+      <p:sp>
+        <p:nvSpPr>
+          <p:cNvPr id="5" name="Título 4">
+            <a:extLst>
+              <a:ext uri="{FF2B5EF4-FFF2-40B4-BE49-F238E27FC236}">
+                <a16:creationId xmlns:a16="http://schemas.microsoft.com/office/drawing/2014/main" id="{B814C40E-2F08-45D9-9D2C-BE8E3932EE3C}"/>
+              </a:ext>
+            </a:extLst>
+          </p:cNvPr>
+          <p:cNvSpPr>
+            <a:spLocks noGrp="1"/>
+          </p:cNvSpPr>
+          <p:nvPr>
+            <p:ph type="title"/>
+          </p:nvPr>
+        </p:nvSpPr>
+        <p:spPr/>
+        <p:txBody>
+          <a:bodyPr/>
+          <a:lstStyle/>
+          <a:p>
+            <a:r>
+              <a:rPr lang="es-PE" dirty="0"/>
+              <a:t>Evolución de la pobreza</a:t>
+            </a:r>
+          </a:p>
+        </p:txBody>
+      </p:sp>
+    </p:spTree>
+    <p:extLst>
+      <p:ext uri="{BB962C8B-B14F-4D97-AF65-F5344CB8AC3E}">
+        <p14:creationId xmlns:p14="http://schemas.microsoft.com/office/powerpoint/2010/main" val="3010473730"/>
+      </p:ext>
+    </p:extLst>
+  </p:cSld>
+  <p:clrMapOvr>
+    <a:masterClrMapping/>
+  </p:clrMapOvr>
+</p:sld>
+</file>
+
+<file path=ppt/slides/slide24.xml><?xml version="1.0" encoding="utf-8"?>
+<p:sld xmlns:a="http://schemas.openxmlformats.org/drawingml/2006/main" xmlns:r="http://schemas.openxmlformats.org/officeDocument/2006/relationships" xmlns:p="http://schemas.openxmlformats.org/presentationml/2006/main">
+  <p:cSld>
+    <p:spTree>
+      <p:nvGrpSpPr>
+        <p:cNvPr id="1" name=""/>
+        <p:cNvGrpSpPr/>
+        <p:nvPr/>
+      </p:nvGrpSpPr>
+      <p:grpSpPr>
+        <a:xfrm>
+          <a:off x="0" y="0"/>
+          <a:ext cx="0" cy="0"/>
+          <a:chOff x="0" y="0"/>
+          <a:chExt cx="0" cy="0"/>
+        </a:xfrm>
+      </p:grpSpPr>
+      <p:pic>
+        <p:nvPicPr>
+          <p:cNvPr id="7" name="Marcador de contenido 6" descr="Gráfico, Gráfico de líneas&#10;&#10;Descripción generada automáticamente">
+            <a:extLst>
+              <a:ext uri="{FF2B5EF4-FFF2-40B4-BE49-F238E27FC236}">
+                <a16:creationId xmlns:a16="http://schemas.microsoft.com/office/drawing/2014/main" id="{7CCE2E40-3706-470E-BCBB-A1DB25963D55}"/>
+              </a:ext>
+            </a:extLst>
+          </p:cNvPr>
+          <p:cNvPicPr>
+            <a:picLocks noGrp="1" noChangeAspect="1"/>
+          </p:cNvPicPr>
+          <p:nvPr>
+            <p:ph idx="1"/>
+          </p:nvPr>
+        </p:nvPicPr>
+        <p:blipFill>
+          <a:blip r:embed="rId2">
+            <a:extLst>
+              <a:ext uri="{28A0092B-C50C-407E-A947-70E740481C1C}">
+                <a14:useLocalDpi xmlns:a14="http://schemas.microsoft.com/office/drawing/2010/main" val="0"/>
+              </a:ext>
+            </a:extLst>
+          </a:blip>
+          <a:stretch>
+            <a:fillRect/>
+          </a:stretch>
+        </p:blipFill>
+        <p:spPr>
+          <a:xfrm>
+            <a:off x="2832496" y="1825625"/>
+            <a:ext cx="6527007" cy="4351338"/>
+          </a:xfrm>
+        </p:spPr>
+      </p:pic>
+      <p:sp>
+        <p:nvSpPr>
+          <p:cNvPr id="3" name="Marcador de pie de página 2">
+            <a:extLst>
+              <a:ext uri="{FF2B5EF4-FFF2-40B4-BE49-F238E27FC236}">
+                <a16:creationId xmlns:a16="http://schemas.microsoft.com/office/drawing/2014/main" id="{C9D01A93-718B-4B2F-80D1-61446E6658D8}"/>
+              </a:ext>
+            </a:extLst>
+          </p:cNvPr>
+          <p:cNvSpPr>
+            <a:spLocks noGrp="1"/>
+          </p:cNvSpPr>
+          <p:nvPr>
+            <p:ph type="ftr" sz="quarter" idx="11"/>
+          </p:nvPr>
+        </p:nvSpPr>
+        <p:spPr/>
+        <p:txBody>
+          <a:bodyPr/>
+          <a:lstStyle/>
+          <a:p>
+            <a:r>
+              <a:rPr lang="es-PE"/>
+              <a:t>Ronny M. Condor</a:t>
+            </a:r>
+            <a:endParaRPr lang="es-PE" dirty="0"/>
+          </a:p>
+        </p:txBody>
+      </p:sp>
+      <p:sp>
+        <p:nvSpPr>
+          <p:cNvPr id="4" name="Marcador de número de diapositiva 3">
+            <a:extLst>
+              <a:ext uri="{FF2B5EF4-FFF2-40B4-BE49-F238E27FC236}">
+                <a16:creationId xmlns:a16="http://schemas.microsoft.com/office/drawing/2014/main" id="{480E9FB0-B949-4C68-AFB2-4BC93CC5DEAA}"/>
+              </a:ext>
+            </a:extLst>
+          </p:cNvPr>
+          <p:cNvSpPr>
+            <a:spLocks noGrp="1"/>
+          </p:cNvSpPr>
+          <p:nvPr>
+            <p:ph type="sldNum" sz="quarter" idx="12"/>
+          </p:nvPr>
+        </p:nvSpPr>
+        <p:spPr/>
+        <p:txBody>
+          <a:bodyPr/>
+          <a:lstStyle/>
+          <a:p>
+            <a:fld id="{C9CAA9FC-5706-425E-BC41-84BEAD9EC8F9}" type="slidenum">
+              <a:rPr lang="es-PE" smtClean="0"/>
+              <a:t>24</a:t>
+            </a:fld>
+            <a:endParaRPr lang="es-PE"/>
+          </a:p>
+        </p:txBody>
+      </p:sp>
+      <p:sp>
+        <p:nvSpPr>
+          <p:cNvPr id="5" name="Título 4">
+            <a:extLst>
+              <a:ext uri="{FF2B5EF4-FFF2-40B4-BE49-F238E27FC236}">
+                <a16:creationId xmlns:a16="http://schemas.microsoft.com/office/drawing/2014/main" id="{FA8DFE78-5359-4DBA-8F20-E4A3778FB5E5}"/>
+              </a:ext>
+            </a:extLst>
+          </p:cNvPr>
+          <p:cNvSpPr>
+            <a:spLocks noGrp="1"/>
+          </p:cNvSpPr>
+          <p:nvPr>
+            <p:ph type="title"/>
+          </p:nvPr>
+        </p:nvSpPr>
+        <p:spPr/>
+        <p:txBody>
+          <a:bodyPr/>
+          <a:lstStyle/>
+          <a:p>
+            <a:r>
+              <a:rPr lang="es-PE" dirty="0"/>
+              <a:t>Evolución de la pobreza</a:t>
+            </a:r>
+          </a:p>
+        </p:txBody>
+      </p:sp>
+    </p:spTree>
+    <p:extLst>
+      <p:ext uri="{BB962C8B-B14F-4D97-AF65-F5344CB8AC3E}">
+        <p14:creationId xmlns:p14="http://schemas.microsoft.com/office/powerpoint/2010/main" val="1939322535"/>
+      </p:ext>
+    </p:extLst>
+  </p:cSld>
+  <p:clrMapOvr>
+    <a:masterClrMapping/>
+  </p:clrMapOvr>
+</p:sld>
+</file>
+
+<file path=ppt/slides/slide25.xml><?xml version="1.0" encoding="utf-8"?>
+<p:sld xmlns:a="http://schemas.openxmlformats.org/drawingml/2006/main" xmlns:r="http://schemas.openxmlformats.org/officeDocument/2006/relationships" xmlns:p="http://schemas.openxmlformats.org/presentationml/2006/main">
+  <p:cSld>
+    <p:spTree>
+      <p:nvGrpSpPr>
+        <p:cNvPr id="1" name=""/>
+        <p:cNvGrpSpPr/>
+        <p:nvPr/>
+      </p:nvGrpSpPr>
+      <p:grpSpPr>
+        <a:xfrm>
+          <a:off x="0" y="0"/>
+          <a:ext cx="0" cy="0"/>
+          <a:chOff x="0" y="0"/>
+          <a:chExt cx="0" cy="0"/>
+        </a:xfrm>
+      </p:grpSpPr>
       <p:sp>
         <p:nvSpPr>
           <p:cNvPr id="5" name="Título 4">
@@ -31382,7 +31688,7 @@
           <a:p>
             <a:fld id="{C9CAA9FC-5706-425E-BC41-84BEAD9EC8F9}" type="slidenum">
               <a:rPr lang="es-PE" smtClean="0"/>
-              <a:t>23</a:t>
+              <a:t>25</a:t>
             </a:fld>
             <a:endParaRPr lang="es-PE"/>
           </a:p>
@@ -31401,7 +31707,7 @@
 </p:sld>
 </file>
 
-<file path=ppt/slides/slide24.xml><?xml version="1.0" encoding="utf-8"?>
+<file path=ppt/slides/slide26.xml><?xml version="1.0" encoding="utf-8"?>
 <p:sld xmlns:a="http://schemas.openxmlformats.org/drawingml/2006/main" xmlns:r="http://schemas.openxmlformats.org/officeDocument/2006/relationships" xmlns:p="http://schemas.openxmlformats.org/presentationml/2006/main">
   <p:cSld>
     <p:spTree>
@@ -31506,7 +31812,7 @@
           <a:p>
             <a:fld id="{C9CAA9FC-5706-425E-BC41-84BEAD9EC8F9}" type="slidenum">
               <a:rPr lang="es-PE" smtClean="0"/>
-              <a:t>24</a:t>
+              <a:t>26</a:t>
             </a:fld>
             <a:endParaRPr lang="es-PE" dirty="0"/>
           </a:p>
@@ -31553,7 +31859,7 @@
 </p:sld>
 </file>
 
-<file path=ppt/slides/slide25.xml><?xml version="1.0" encoding="utf-8"?>
+<file path=ppt/slides/slide27.xml><?xml version="1.0" encoding="utf-8"?>
 <p:sld xmlns:a="http://schemas.openxmlformats.org/drawingml/2006/main" xmlns:r="http://schemas.openxmlformats.org/officeDocument/2006/relationships" xmlns:p="http://schemas.openxmlformats.org/presentationml/2006/main">
   <p:cSld>
     <p:bg>
@@ -31709,14 +32015,13 @@
             </a:br>
             <a:r>
               <a:rPr lang="es-PE" dirty="0"/>
+              <a:t>@rmcondor</a:t>
+            </a:r>
+          </a:p>
+          <a:p>
+            <a:r>
+              <a:rPr lang="es-PE"/>
               <a:t>@BlogRotonda</a:t>
-            </a:r>
-            <a:br>
-              <a:rPr lang="es-PE" dirty="0"/>
-            </a:br>
-            <a:r>
-              <a:rPr lang="es-PE" dirty="0"/>
-              <a:t>@rmcondor</a:t>
             </a:r>
             <a:br>
               <a:rPr lang="es-PE" dirty="0"/>
@@ -31785,7 +32090,7 @@
           <a:p>
             <a:fld id="{C9CAA9FC-5706-425E-BC41-84BEAD9EC8F9}" type="slidenum">
               <a:rPr lang="es-PE" smtClean="0"/>
-              <a:t>25</a:t>
+              <a:t>27</a:t>
             </a:fld>
             <a:endParaRPr lang="es-PE" dirty="0"/>
           </a:p>

--- a/Lecture 1/Notas de clase 01.pptx
+++ b/Lecture 1/Notas de clase 01.pptx
@@ -34938,6 +34938,34 @@
           <a:chExt cx="0" cy="0"/>
         </a:xfrm>
       </p:grpSpPr>
+      <p:sp>
+        <p:nvSpPr>
+          <p:cNvPr id="2" name="Título 1">
+            <a:extLst>
+              <a:ext uri="{FF2B5EF4-FFF2-40B4-BE49-F238E27FC236}">
+                <a16:creationId xmlns:a16="http://schemas.microsoft.com/office/drawing/2014/main" id="{75152F86-E2B7-4A7B-85F5-818618EB658F}"/>
+              </a:ext>
+            </a:extLst>
+          </p:cNvPr>
+          <p:cNvSpPr>
+            <a:spLocks noGrp="1"/>
+          </p:cNvSpPr>
+          <p:nvPr>
+            <p:ph type="title"/>
+          </p:nvPr>
+        </p:nvSpPr>
+        <p:spPr/>
+        <p:txBody>
+          <a:bodyPr/>
+          <a:lstStyle/>
+          <a:p>
+            <a:r>
+              <a:rPr lang="es-PE" dirty="0"/>
+              <a:t>Alcances y limitaciones</a:t>
+            </a:r>
+          </a:p>
+        </p:txBody>
+      </p:sp>
       <p:pic>
         <p:nvPicPr>
           <p:cNvPr id="9" name="Marcador de contenido 8">
@@ -34962,11 +34990,77 @@
         </p:blipFill>
         <p:spPr>
           <a:xfrm>
-            <a:off x="2509548" y="1444542"/>
-            <a:ext cx="6625121" cy="4704429"/>
+            <a:off x="5183188" y="1232831"/>
+            <a:ext cx="6172200" cy="4382813"/>
           </a:xfrm>
         </p:spPr>
       </p:pic>
+      <p:sp>
+        <p:nvSpPr>
+          <p:cNvPr id="12" name="Marcador de texto 11">
+            <a:extLst>
+              <a:ext uri="{FF2B5EF4-FFF2-40B4-BE49-F238E27FC236}">
+                <a16:creationId xmlns:a16="http://schemas.microsoft.com/office/drawing/2014/main" id="{2323362C-72ED-4D5B-8F87-E5DEDDC5FC9C}"/>
+              </a:ext>
+            </a:extLst>
+          </p:cNvPr>
+          <p:cNvSpPr>
+            <a:spLocks noGrp="1"/>
+          </p:cNvSpPr>
+          <p:nvPr>
+            <p:ph type="body" sz="half" idx="2"/>
+          </p:nvPr>
+        </p:nvSpPr>
+        <p:spPr/>
+        <p:txBody>
+          <a:bodyPr/>
+          <a:lstStyle/>
+          <a:p>
+            <a:pPr marL="285750" indent="-285750">
+              <a:buFont typeface="Arial" panose="020B0604020202020204" pitchFamily="34" charset="0"/>
+              <a:buChar char="•"/>
+            </a:pPr>
+            <a:r>
+              <a:rPr lang="es-PE" dirty="0"/>
+              <a:t>INEI: Metodología estrictamente usando la ENAHO.</a:t>
+            </a:r>
+          </a:p>
+          <a:p>
+            <a:pPr marL="285750" indent="-285750">
+              <a:buFont typeface="Arial" panose="020B0604020202020204" pitchFamily="34" charset="0"/>
+              <a:buChar char="•"/>
+            </a:pPr>
+            <a:r>
+              <a:rPr lang="es-PE" dirty="0" err="1"/>
+              <a:t>Yamada</a:t>
+            </a:r>
+            <a:r>
+              <a:rPr lang="es-PE" dirty="0"/>
+              <a:t> y Castro (2006): Usan el ingreso/consumo medio de las cuentas nacionales, asumiendo que se distribuyen de manera uniforme y tienen distribución log-normal.</a:t>
+            </a:r>
+          </a:p>
+          <a:p>
+            <a:pPr marL="285750" indent="-285750">
+              <a:buFont typeface="Arial" panose="020B0604020202020204" pitchFamily="34" charset="0"/>
+              <a:buChar char="•"/>
+            </a:pPr>
+            <a:r>
+              <a:rPr lang="es-PE" dirty="0"/>
+              <a:t>Mendoza et al. (2011): Corrige usando el PBI per cápita y el PNB per cápita. </a:t>
+            </a:r>
+          </a:p>
+          <a:p>
+            <a:pPr marL="285750" indent="-285750">
+              <a:buFont typeface="Arial" panose="020B0604020202020204" pitchFamily="34" charset="0"/>
+              <a:buChar char="•"/>
+            </a:pPr>
+            <a:r>
+              <a:rPr lang="es-PE" dirty="0"/>
+              <a:t>Cruz-Saco et al (2018): Asume una distribución de Pareto, para corregir el problema de la cola superior y eliminar el sesgo a la baja de las encuestas. </a:t>
+            </a:r>
+          </a:p>
+        </p:txBody>
+      </p:sp>
       <p:sp>
         <p:nvSpPr>
           <p:cNvPr id="5" name="Marcador de pie de página 4">
@@ -35026,34 +35120,6 @@
       </p:sp>
       <p:sp>
         <p:nvSpPr>
-          <p:cNvPr id="2" name="Título 1">
-            <a:extLst>
-              <a:ext uri="{FF2B5EF4-FFF2-40B4-BE49-F238E27FC236}">
-                <a16:creationId xmlns:a16="http://schemas.microsoft.com/office/drawing/2014/main" id="{75152F86-E2B7-4A7B-85F5-818618EB658F}"/>
-              </a:ext>
-            </a:extLst>
-          </p:cNvPr>
-          <p:cNvSpPr>
-            <a:spLocks noGrp="1"/>
-          </p:cNvSpPr>
-          <p:nvPr>
-            <p:ph type="title"/>
-          </p:nvPr>
-        </p:nvSpPr>
-        <p:spPr/>
-        <p:txBody>
-          <a:bodyPr/>
-          <a:lstStyle/>
-          <a:p>
-            <a:r>
-              <a:rPr lang="es-PE" dirty="0"/>
-              <a:t>Alcances y limitaciones</a:t>
-            </a:r>
-          </a:p>
-        </p:txBody>
-      </p:sp>
-      <p:sp>
-        <p:nvSpPr>
           <p:cNvPr id="7" name="CuadroTexto 6">
             <a:extLst>
               <a:ext uri="{FF2B5EF4-FFF2-40B4-BE49-F238E27FC236}">
@@ -35066,7 +35132,7 @@
         </p:nvSpPr>
         <p:spPr>
           <a:xfrm>
-            <a:off x="7203232" y="6046236"/>
+            <a:off x="4945224" y="6046236"/>
             <a:ext cx="3172408" cy="246221"/>
           </a:xfrm>
           <a:prstGeom prst="rect">

--- a/Lecture 1/Notas de clase 01.pptx
+++ b/Lecture 1/Notas de clase 01.pptx
@@ -21912,7 +21912,7 @@
           <p:nvPr>
             <p:extLst>
               <p:ext uri="{D42A27DB-BD31-4B8C-83A1-F6EECF244321}">
-                <p14:modId xmlns:p14="http://schemas.microsoft.com/office/powerpoint/2010/main" val="3579910877"/>
+                <p14:modId xmlns:p14="http://schemas.microsoft.com/office/powerpoint/2010/main" val="2779896869"/>
               </p:ext>
             </p:extLst>
           </p:nvPr>
@@ -23142,7 +23142,7 @@
                           <a:cs typeface="Merriweather"/>
                           <a:sym typeface="Merriweather"/>
                         </a:rPr>
-                        <a:t>Panel: anual</a:t>
+                        <a:t>Panel</a:t>
                       </a:r>
                       <a:endParaRPr sz="1600" dirty="0">
                         <a:solidFill>
